--- a/DBD 분석/맵 분석/3. 콜드윈드 농장(★)/3. 썩은 들판(★)/19_09_생존자(vs너스).pptx
+++ b/DBD 분석/맵 분석/3. 콜드윈드 농장(★)/3. 썩은 들판(★)/19_09_생존자(vs너스).pptx
@@ -127,7 +127,7 @@
   </p:defaultTextStyle>
   <p:extLst>
     <p:ext uri="{EFAFB233-063F-42B5-8137-9DF3F51BA10A}">
-      <p15:sldGuideLst xmlns="" xmlns:p15="http://schemas.microsoft.com/office/powerpoint/2012/main"/>
+      <p15:sldGuideLst xmlns:p15="http://schemas.microsoft.com/office/powerpoint/2012/main" xmlns=""/>
     </p:ext>
   </p:extLst>
 </p:presentation>
@@ -215,7 +215,7 @@
           <a:p>
             <a:fld id="{92FB9B8E-7460-4A65-8DD1-5001397F6CD0}" type="datetimeFigureOut">
               <a:rPr lang="ko-KR" altLang="en-US" smtClean="0"/>
-              <a:t>2020-01-24</a:t>
+              <a:t>2020-02-05</a:t>
             </a:fld>
             <a:endParaRPr lang="ko-KR" altLang="en-US"/>
           </a:p>
@@ -538,7 +538,6 @@
               <a:rPr lang="en-US" altLang="ko-KR" dirty="0" smtClean="0"/>
               <a:t>https://youtu.be/q_9rSRq58nA?list=PLiFSqqhi2IVv4mLG3oFNqOsB3G-xZ0Pfw</a:t>
             </a:r>
-            <a:endParaRPr lang="en-US" altLang="ko-KR" dirty="0" smtClean="0"/>
           </a:p>
         </p:txBody>
       </p:sp>
@@ -5421,7 +5420,6 @@
               <a:rPr lang="en-US" altLang="ko-KR" baseline="0" dirty="0" smtClean="0"/>
               <a:t>)</a:t>
             </a:r>
-            <a:endParaRPr lang="en-US" altLang="ko-KR" baseline="0" dirty="0" smtClean="0"/>
           </a:p>
         </p:txBody>
       </p:sp>
@@ -5730,7 +5728,6 @@
               <a:rPr lang="en-US" altLang="ko-KR" baseline="0" dirty="0" smtClean="0"/>
               <a:t>)</a:t>
             </a:r>
-            <a:endParaRPr lang="en-US" altLang="ko-KR" baseline="0" dirty="0" smtClean="0"/>
           </a:p>
         </p:txBody>
       </p:sp>
@@ -6175,7 +6172,6 @@
               <a:rPr lang="en-US" altLang="ko-KR" baseline="0" dirty="0" smtClean="0"/>
               <a:t>)</a:t>
             </a:r>
-            <a:endParaRPr lang="en-US" altLang="ko-KR" baseline="0" dirty="0" smtClean="0"/>
           </a:p>
         </p:txBody>
       </p:sp>
@@ -8083,7 +8079,7 @@
           <a:p>
             <a:fld id="{F86301F8-5A19-4D53-B525-D052BC8201C6}" type="datetimeFigureOut">
               <a:rPr lang="ko-KR" altLang="en-US" smtClean="0"/>
-              <a:t>2020-01-24</a:t>
+              <a:t>2020-02-05</a:t>
             </a:fld>
             <a:endParaRPr lang="ko-KR" altLang="en-US"/>
           </a:p>
@@ -8253,7 +8249,7 @@
           <a:p>
             <a:fld id="{F86301F8-5A19-4D53-B525-D052BC8201C6}" type="datetimeFigureOut">
               <a:rPr lang="ko-KR" altLang="en-US" smtClean="0"/>
-              <a:t>2020-01-24</a:t>
+              <a:t>2020-02-05</a:t>
             </a:fld>
             <a:endParaRPr lang="ko-KR" altLang="en-US"/>
           </a:p>
@@ -8433,7 +8429,7 @@
           <a:p>
             <a:fld id="{F86301F8-5A19-4D53-B525-D052BC8201C6}" type="datetimeFigureOut">
               <a:rPr lang="ko-KR" altLang="en-US" smtClean="0"/>
-              <a:t>2020-01-24</a:t>
+              <a:t>2020-02-05</a:t>
             </a:fld>
             <a:endParaRPr lang="ko-KR" altLang="en-US"/>
           </a:p>
@@ -8603,7 +8599,7 @@
           <a:p>
             <a:fld id="{F86301F8-5A19-4D53-B525-D052BC8201C6}" type="datetimeFigureOut">
               <a:rPr lang="ko-KR" altLang="en-US" smtClean="0"/>
-              <a:t>2020-01-24</a:t>
+              <a:t>2020-02-05</a:t>
             </a:fld>
             <a:endParaRPr lang="ko-KR" altLang="en-US"/>
           </a:p>
@@ -8849,7 +8845,7 @@
           <a:p>
             <a:fld id="{F86301F8-5A19-4D53-B525-D052BC8201C6}" type="datetimeFigureOut">
               <a:rPr lang="ko-KR" altLang="en-US" smtClean="0"/>
-              <a:t>2020-01-24</a:t>
+              <a:t>2020-02-05</a:t>
             </a:fld>
             <a:endParaRPr lang="ko-KR" altLang="en-US"/>
           </a:p>
@@ -9081,7 +9077,7 @@
           <a:p>
             <a:fld id="{F86301F8-5A19-4D53-B525-D052BC8201C6}" type="datetimeFigureOut">
               <a:rPr lang="ko-KR" altLang="en-US" smtClean="0"/>
-              <a:t>2020-01-24</a:t>
+              <a:t>2020-02-05</a:t>
             </a:fld>
             <a:endParaRPr lang="ko-KR" altLang="en-US"/>
           </a:p>
@@ -9448,7 +9444,7 @@
           <a:p>
             <a:fld id="{F86301F8-5A19-4D53-B525-D052BC8201C6}" type="datetimeFigureOut">
               <a:rPr lang="ko-KR" altLang="en-US" smtClean="0"/>
-              <a:t>2020-01-24</a:t>
+              <a:t>2020-02-05</a:t>
             </a:fld>
             <a:endParaRPr lang="ko-KR" altLang="en-US"/>
           </a:p>
@@ -9566,7 +9562,7 @@
           <a:p>
             <a:fld id="{F86301F8-5A19-4D53-B525-D052BC8201C6}" type="datetimeFigureOut">
               <a:rPr lang="ko-KR" altLang="en-US" smtClean="0"/>
-              <a:t>2020-01-24</a:t>
+              <a:t>2020-02-05</a:t>
             </a:fld>
             <a:endParaRPr lang="ko-KR" altLang="en-US"/>
           </a:p>
@@ -9661,7 +9657,7 @@
           <a:p>
             <a:fld id="{F86301F8-5A19-4D53-B525-D052BC8201C6}" type="datetimeFigureOut">
               <a:rPr lang="ko-KR" altLang="en-US" smtClean="0"/>
-              <a:t>2020-01-24</a:t>
+              <a:t>2020-02-05</a:t>
             </a:fld>
             <a:endParaRPr lang="ko-KR" altLang="en-US"/>
           </a:p>
@@ -9938,7 +9934,7 @@
           <a:p>
             <a:fld id="{F86301F8-5A19-4D53-B525-D052BC8201C6}" type="datetimeFigureOut">
               <a:rPr lang="ko-KR" altLang="en-US" smtClean="0"/>
-              <a:t>2020-01-24</a:t>
+              <a:t>2020-02-05</a:t>
             </a:fld>
             <a:endParaRPr lang="ko-KR" altLang="en-US"/>
           </a:p>
@@ -10191,7 +10187,7 @@
           <a:p>
             <a:fld id="{F86301F8-5A19-4D53-B525-D052BC8201C6}" type="datetimeFigureOut">
               <a:rPr lang="ko-KR" altLang="en-US" smtClean="0"/>
-              <a:t>2020-01-24</a:t>
+              <a:t>2020-02-05</a:t>
             </a:fld>
             <a:endParaRPr lang="ko-KR" altLang="en-US"/>
           </a:p>
@@ -10404,7 +10400,7 @@
           <a:p>
             <a:fld id="{F86301F8-5A19-4D53-B525-D052BC8201C6}" type="datetimeFigureOut">
               <a:rPr lang="ko-KR" altLang="en-US" smtClean="0"/>
-              <a:t>2020-01-24</a:t>
+              <a:t>2020-02-05</a:t>
             </a:fld>
             <a:endParaRPr lang="ko-KR" altLang="en-US"/>
           </a:p>
@@ -51478,7 +51474,7 @@
   <a:extraClrSchemeLst/>
   <a:extLst>
     <a:ext uri="{05A4C25C-085E-4340-85A3-A5531E510DB2}">
-      <thm15:themeFamily xmlns="" xmlns:thm15="http://schemas.microsoft.com/office/thememl/2012/main" name="Office Theme" id="{62F939B6-93AF-4DB8-9C6B-D6C7DFDC589F}" vid="{4A3C46E8-61CC-4603-A589-7422A47A8E4A}"/>
+      <thm15:themeFamily xmlns:thm15="http://schemas.microsoft.com/office/thememl/2012/main" xmlns="" name="Office Theme" id="{62F939B6-93AF-4DB8-9C6B-D6C7DFDC589F}" vid="{4A3C46E8-61CC-4603-A589-7422A47A8E4A}"/>
     </a:ext>
   </a:extLst>
 </a:theme>
@@ -51739,7 +51735,7 @@
   <a:extraClrSchemeLst/>
   <a:extLst>
     <a:ext uri="{05A4C25C-085E-4340-85A3-A5531E510DB2}">
-      <thm15:themeFamily xmlns="" xmlns:thm15="http://schemas.microsoft.com/office/thememl/2012/main" name="Office Theme" id="{62F939B6-93AF-4DB8-9C6B-D6C7DFDC589F}" vid="{4A3C46E8-61CC-4603-A589-7422A47A8E4A}"/>
+      <thm15:themeFamily xmlns:thm15="http://schemas.microsoft.com/office/thememl/2012/main" xmlns="" name="Office Theme" id="{62F939B6-93AF-4DB8-9C6B-D6C7DFDC589F}" vid="{4A3C46E8-61CC-4603-A589-7422A47A8E4A}"/>
     </a:ext>
   </a:extLst>
 </a:theme>

--- a/DBD 분석/맵 분석/3. 콜드윈드 농장(★)/3. 썩은 들판(★)/19_09_생존자(vs너스).pptx
+++ b/DBD 분석/맵 분석/3. 콜드윈드 농장(★)/3. 썩은 들판(★)/19_09_생존자(vs너스).pptx
@@ -127,7 +127,18 @@
   </p:defaultTextStyle>
   <p:extLst>
     <p:ext uri="{EFAFB233-063F-42B5-8137-9DF3F51BA10A}">
-      <p15:sldGuideLst xmlns:p15="http://schemas.microsoft.com/office/powerpoint/2012/main" xmlns=""/>
+      <p15:sldGuideLst xmlns:p15="http://schemas.microsoft.com/office/powerpoint/2012/main">
+        <p15:guide id="1" orient="horz" pos="2160">
+          <p15:clr>
+            <a:srgbClr val="A4A3A4"/>
+          </p15:clr>
+        </p15:guide>
+        <p15:guide id="2" pos="3840">
+          <p15:clr>
+            <a:srgbClr val="A4A3A4"/>
+          </p15:clr>
+        </p15:guide>
+      </p15:sldGuideLst>
     </p:ext>
   </p:extLst>
 </p:presentation>
@@ -51474,7 +51485,7 @@
   <a:extraClrSchemeLst/>
   <a:extLst>
     <a:ext uri="{05A4C25C-085E-4340-85A3-A5531E510DB2}">
-      <thm15:themeFamily xmlns:thm15="http://schemas.microsoft.com/office/thememl/2012/main" xmlns="" name="Office Theme" id="{62F939B6-93AF-4DB8-9C6B-D6C7DFDC589F}" vid="{4A3C46E8-61CC-4603-A589-7422A47A8E4A}"/>
+      <thm15:themeFamily xmlns:thm15="http://schemas.microsoft.com/office/thememl/2012/main" name="Office Theme" id="{62F939B6-93AF-4DB8-9C6B-D6C7DFDC589F}" vid="{4A3C46E8-61CC-4603-A589-7422A47A8E4A}"/>
     </a:ext>
   </a:extLst>
 </a:theme>
@@ -51735,7 +51746,7 @@
   <a:extraClrSchemeLst/>
   <a:extLst>
     <a:ext uri="{05A4C25C-085E-4340-85A3-A5531E510DB2}">
-      <thm15:themeFamily xmlns:thm15="http://schemas.microsoft.com/office/thememl/2012/main" xmlns="" name="Office Theme" id="{62F939B6-93AF-4DB8-9C6B-D6C7DFDC589F}" vid="{4A3C46E8-61CC-4603-A589-7422A47A8E4A}"/>
+      <thm15:themeFamily xmlns:thm15="http://schemas.microsoft.com/office/thememl/2012/main" name="Office Theme" id="{62F939B6-93AF-4DB8-9C6B-D6C7DFDC589F}" vid="{4A3C46E8-61CC-4603-A589-7422A47A8E4A}"/>
     </a:ext>
   </a:extLst>
 </a:theme>
